--- a/Design Log/Surround Sound.pptx
+++ b/Design Log/Surround Sound.pptx
@@ -8,6 +8,10 @@
     <p:sldId id="256" r:id="rId2"/>
     <p:sldId id="257" r:id="rId3"/>
     <p:sldId id="258" r:id="rId4"/>
+    <p:sldId id="259" r:id="rId5"/>
+    <p:sldId id="260" r:id="rId6"/>
+    <p:sldId id="261" r:id="rId7"/>
+    <p:sldId id="262" r:id="rId8"/>
   </p:sldIdLst>
   <p:sldSz cx="12192000" cy="6858000"/>
   <p:notesSz cx="6858000" cy="9144000"/>
@@ -3936,6 +3940,1628 @@
     <p:extLst>
       <p:ext uri="{BB962C8B-B14F-4D97-AF65-F5344CB8AC3E}">
         <p14:creationId xmlns:p14="http://schemas.microsoft.com/office/powerpoint/2010/main" val="2762579028"/>
+      </p:ext>
+    </p:extLst>
+  </p:cSld>
+  <p:clrMapOvr>
+    <a:masterClrMapping/>
+  </p:clrMapOvr>
+</p:sld>
+</file>
+
+<file path=ppt/slides/slide4.xml><?xml version="1.0" encoding="utf-8"?>
+<p:sld xmlns:a="http://schemas.openxmlformats.org/drawingml/2006/main" xmlns:r="http://schemas.openxmlformats.org/officeDocument/2006/relationships" xmlns:p="http://schemas.openxmlformats.org/presentationml/2006/main">
+  <p:cSld>
+    <p:spTree>
+      <p:nvGrpSpPr>
+        <p:cNvPr id="1" name=""/>
+        <p:cNvGrpSpPr/>
+        <p:nvPr/>
+      </p:nvGrpSpPr>
+      <p:grpSpPr>
+        <a:xfrm>
+          <a:off x="0" y="0"/>
+          <a:ext cx="0" cy="0"/>
+          <a:chOff x="0" y="0"/>
+          <a:chExt cx="0" cy="0"/>
+        </a:xfrm>
+      </p:grpSpPr>
+      <p:sp>
+        <p:nvSpPr>
+          <p:cNvPr id="2" name="Title 1">
+            <a:extLst>
+              <a:ext uri="{FF2B5EF4-FFF2-40B4-BE49-F238E27FC236}">
+                <a16:creationId xmlns:a16="http://schemas.microsoft.com/office/drawing/2014/main" id="{C12C1AD9-4013-BC12-0F11-202BFDB98606}"/>
+              </a:ext>
+            </a:extLst>
+          </p:cNvPr>
+          <p:cNvSpPr>
+            <a:spLocks noGrp="1"/>
+          </p:cNvSpPr>
+          <p:nvPr>
+            <p:ph type="title"/>
+          </p:nvPr>
+        </p:nvSpPr>
+        <p:spPr/>
+        <p:txBody>
+          <a:bodyPr/>
+          <a:lstStyle/>
+          <a:p>
+            <a:r>
+              <a:rPr lang="nl-NL" dirty="0"/>
+              <a:t>Solution </a:t>
+            </a:r>
+            <a:r>
+              <a:rPr lang="nl-NL" dirty="0" err="1"/>
+              <a:t>requirements</a:t>
+            </a:r>
+            <a:endParaRPr lang="nl-NL" dirty="0"/>
+          </a:p>
+        </p:txBody>
+      </p:sp>
+      <p:sp>
+        <p:nvSpPr>
+          <p:cNvPr id="3" name="Content Placeholder 2">
+            <a:extLst>
+              <a:ext uri="{FF2B5EF4-FFF2-40B4-BE49-F238E27FC236}">
+                <a16:creationId xmlns:a16="http://schemas.microsoft.com/office/drawing/2014/main" id="{7CD2E43F-4F71-7186-9E4C-B779C05985D0}"/>
+              </a:ext>
+            </a:extLst>
+          </p:cNvPr>
+          <p:cNvSpPr>
+            <a:spLocks noGrp="1"/>
+          </p:cNvSpPr>
+          <p:nvPr>
+            <p:ph idx="1"/>
+          </p:nvPr>
+        </p:nvSpPr>
+        <p:spPr/>
+        <p:txBody>
+          <a:bodyPr/>
+          <a:lstStyle/>
+          <a:p>
+            <a:r>
+              <a:rPr lang="nl-NL" dirty="0"/>
+              <a:t>Goal</a:t>
+            </a:r>
+          </a:p>
+          <a:p>
+            <a:pPr lvl="1"/>
+            <a:r>
+              <a:rPr lang="nl-NL" dirty="0"/>
+              <a:t>Make </a:t>
+            </a:r>
+            <a:r>
+              <a:rPr lang="nl-NL" dirty="0" err="1"/>
+              <a:t>it</a:t>
+            </a:r>
+            <a:r>
+              <a:rPr lang="nl-NL" dirty="0"/>
+              <a:t> </a:t>
+            </a:r>
+            <a:r>
+              <a:rPr lang="nl-NL" dirty="0" err="1"/>
+              <a:t>possible</a:t>
+            </a:r>
+            <a:r>
+              <a:rPr lang="nl-NL" dirty="0"/>
+              <a:t> </a:t>
+            </a:r>
+            <a:r>
+              <a:rPr lang="nl-NL" dirty="0" err="1"/>
+              <a:t>to</a:t>
+            </a:r>
+            <a:r>
+              <a:rPr lang="nl-NL" dirty="0"/>
+              <a:t> switch </a:t>
+            </a:r>
+            <a:r>
+              <a:rPr lang="nl-NL" dirty="0" err="1"/>
+              <a:t>to</a:t>
+            </a:r>
+            <a:r>
+              <a:rPr lang="nl-NL" dirty="0"/>
+              <a:t> pure stereo mode, without </a:t>
+            </a:r>
+            <a:r>
+              <a:rPr lang="nl-NL" dirty="0" err="1"/>
+              <a:t>latency</a:t>
+            </a:r>
+            <a:r>
+              <a:rPr lang="nl-NL" dirty="0"/>
+              <a:t> </a:t>
+            </a:r>
+            <a:r>
+              <a:rPr lang="nl-NL" dirty="0" err="1"/>
+              <a:t>increase</a:t>
+            </a:r>
+            <a:r>
+              <a:rPr lang="nl-NL" dirty="0"/>
+              <a:t> </a:t>
+            </a:r>
+            <a:r>
+              <a:rPr lang="nl-NL" dirty="0" err="1"/>
+              <a:t>due</a:t>
+            </a:r>
+            <a:r>
+              <a:rPr lang="nl-NL" dirty="0"/>
+              <a:t> </a:t>
+            </a:r>
+            <a:r>
+              <a:rPr lang="nl-NL" dirty="0" err="1"/>
+              <a:t>to</a:t>
+            </a:r>
+            <a:r>
+              <a:rPr lang="nl-NL" dirty="0"/>
+              <a:t> </a:t>
+            </a:r>
+            <a:r>
+              <a:rPr lang="nl-NL" dirty="0" err="1"/>
+              <a:t>kernel</a:t>
+            </a:r>
+            <a:r>
+              <a:rPr lang="nl-NL" dirty="0"/>
+              <a:t> FOA </a:t>
+            </a:r>
+            <a:r>
+              <a:rPr lang="nl-NL" dirty="0" err="1"/>
+              <a:t>transformation</a:t>
+            </a:r>
+            <a:endParaRPr lang="nl-NL" dirty="0"/>
+          </a:p>
+          <a:p>
+            <a:r>
+              <a:rPr lang="nl-NL" dirty="0" err="1"/>
+              <a:t>Conditions</a:t>
+            </a:r>
+            <a:endParaRPr lang="nl-NL" dirty="0"/>
+          </a:p>
+          <a:p>
+            <a:pPr lvl="1"/>
+            <a:r>
+              <a:rPr lang="nl-NL" dirty="0" err="1"/>
+              <a:t>Should</a:t>
+            </a:r>
+            <a:r>
+              <a:rPr lang="nl-NL" dirty="0"/>
+              <a:t> </a:t>
+            </a:r>
+            <a:r>
+              <a:rPr lang="nl-NL" dirty="0" err="1"/>
+              <a:t>also</a:t>
+            </a:r>
+            <a:r>
+              <a:rPr lang="nl-NL" dirty="0"/>
+              <a:t> </a:t>
+            </a:r>
+            <a:r>
+              <a:rPr lang="nl-NL" dirty="0" err="1"/>
+              <a:t>allow</a:t>
+            </a:r>
+            <a:r>
+              <a:rPr lang="nl-NL" dirty="0"/>
+              <a:t> </a:t>
+            </a:r>
+            <a:r>
+              <a:rPr lang="nl-NL" dirty="0" err="1"/>
+              <a:t>for</a:t>
+            </a:r>
+            <a:r>
+              <a:rPr lang="nl-NL" dirty="0"/>
+              <a:t> </a:t>
+            </a:r>
+            <a:r>
+              <a:rPr lang="nl-NL" dirty="0" err="1"/>
+              <a:t>the</a:t>
+            </a:r>
+            <a:r>
+              <a:rPr lang="nl-NL" dirty="0"/>
+              <a:t> </a:t>
+            </a:r>
+            <a:r>
+              <a:rPr lang="nl-NL" dirty="0" err="1"/>
+              <a:t>future</a:t>
+            </a:r>
+            <a:r>
+              <a:rPr lang="nl-NL" dirty="0"/>
+              <a:t> case </a:t>
+            </a:r>
+            <a:r>
+              <a:rPr lang="nl-NL" dirty="0" err="1"/>
+              <a:t>where</a:t>
+            </a:r>
+            <a:r>
+              <a:rPr lang="nl-NL" dirty="0"/>
+              <a:t> songs </a:t>
+            </a:r>
+            <a:r>
+              <a:rPr lang="nl-NL" dirty="0" err="1"/>
+              <a:t>will</a:t>
+            </a:r>
+            <a:r>
+              <a:rPr lang="nl-NL" dirty="0"/>
+              <a:t> </a:t>
+            </a:r>
+            <a:r>
+              <a:rPr lang="nl-NL" dirty="0" err="1"/>
+              <a:t>be</a:t>
+            </a:r>
+            <a:r>
+              <a:rPr lang="nl-NL" dirty="0"/>
+              <a:t> </a:t>
+            </a:r>
+            <a:r>
+              <a:rPr lang="nl-NL" dirty="0" err="1"/>
+              <a:t>converted</a:t>
+            </a:r>
+            <a:r>
+              <a:rPr lang="nl-NL" dirty="0"/>
+              <a:t> in front </a:t>
+            </a:r>
+            <a:r>
+              <a:rPr lang="nl-NL" dirty="0" err="1"/>
+              <a:t>from</a:t>
+            </a:r>
+            <a:r>
+              <a:rPr lang="nl-NL" dirty="0"/>
+              <a:t> stereo </a:t>
+            </a:r>
+            <a:r>
+              <a:rPr lang="nl-NL" dirty="0" err="1"/>
+              <a:t>to</a:t>
+            </a:r>
+            <a:r>
+              <a:rPr lang="nl-NL" dirty="0"/>
+              <a:t> </a:t>
+            </a:r>
+            <a:r>
+              <a:rPr lang="nl-NL" dirty="0" err="1"/>
+              <a:t>surroung</a:t>
+            </a:r>
+            <a:r>
+              <a:rPr lang="nl-NL" dirty="0"/>
+              <a:t>, </a:t>
+            </a:r>
+            <a:r>
+              <a:rPr lang="nl-NL" dirty="0" err="1"/>
+              <a:t>and</a:t>
+            </a:r>
+            <a:r>
+              <a:rPr lang="nl-NL" dirty="0"/>
+              <a:t> </a:t>
+            </a:r>
+            <a:r>
+              <a:rPr lang="nl-NL" dirty="0" err="1"/>
+              <a:t>the</a:t>
+            </a:r>
+            <a:r>
+              <a:rPr lang="nl-NL" dirty="0"/>
+              <a:t> deck </a:t>
+            </a:r>
+            <a:r>
+              <a:rPr lang="nl-NL" dirty="0" err="1"/>
+              <a:t>players</a:t>
+            </a:r>
+            <a:r>
+              <a:rPr lang="nl-NL" dirty="0"/>
+              <a:t> </a:t>
+            </a:r>
+            <a:r>
+              <a:rPr lang="nl-NL" dirty="0" err="1"/>
+              <a:t>themselves</a:t>
+            </a:r>
+            <a:r>
+              <a:rPr lang="nl-NL" dirty="0"/>
+              <a:t> </a:t>
+            </a:r>
+            <a:r>
+              <a:rPr lang="nl-NL" dirty="0" err="1"/>
+              <a:t>will</a:t>
+            </a:r>
+            <a:r>
+              <a:rPr lang="nl-NL" dirty="0"/>
+              <a:t> </a:t>
+            </a:r>
+            <a:r>
+              <a:rPr lang="nl-NL" dirty="0" err="1"/>
+              <a:t>be</a:t>
+            </a:r>
+            <a:r>
+              <a:rPr lang="nl-NL" dirty="0"/>
+              <a:t> </a:t>
+            </a:r>
+            <a:r>
+              <a:rPr lang="nl-NL" dirty="0" err="1"/>
+              <a:t>surround</a:t>
+            </a:r>
+            <a:endParaRPr lang="nl-NL" dirty="0"/>
+          </a:p>
+          <a:p>
+            <a:pPr lvl="1"/>
+            <a:r>
+              <a:rPr lang="nl-NL" dirty="0"/>
+              <a:t>3 </a:t>
+            </a:r>
+            <a:r>
+              <a:rPr lang="nl-NL" dirty="0" err="1"/>
+              <a:t>channel</a:t>
+            </a:r>
+            <a:r>
+              <a:rPr lang="nl-NL" dirty="0"/>
+              <a:t> bus </a:t>
+            </a:r>
+            <a:r>
+              <a:rPr lang="nl-NL" dirty="0" err="1"/>
+              <a:t>structure</a:t>
+            </a:r>
+            <a:r>
+              <a:rPr lang="nl-NL" dirty="0"/>
+              <a:t> </a:t>
+            </a:r>
+            <a:r>
+              <a:rPr lang="nl-NL" dirty="0" err="1"/>
+              <a:t>should</a:t>
+            </a:r>
+            <a:r>
+              <a:rPr lang="nl-NL" dirty="0"/>
+              <a:t> </a:t>
+            </a:r>
+            <a:r>
+              <a:rPr lang="nl-NL" dirty="0" err="1"/>
+              <a:t>stay</a:t>
+            </a:r>
+            <a:r>
+              <a:rPr lang="nl-NL" dirty="0"/>
+              <a:t> </a:t>
+            </a:r>
+            <a:r>
+              <a:rPr lang="nl-NL" dirty="0" err="1"/>
+              <a:t>the</a:t>
+            </a:r>
+            <a:r>
+              <a:rPr lang="nl-NL" dirty="0"/>
+              <a:t> </a:t>
+            </a:r>
+            <a:r>
+              <a:rPr lang="nl-NL" dirty="0" err="1"/>
+              <a:t>same</a:t>
+            </a:r>
+            <a:endParaRPr lang="nl-NL" dirty="0"/>
+          </a:p>
+        </p:txBody>
+      </p:sp>
+    </p:spTree>
+    <p:extLst>
+      <p:ext uri="{BB962C8B-B14F-4D97-AF65-F5344CB8AC3E}">
+        <p14:creationId xmlns:p14="http://schemas.microsoft.com/office/powerpoint/2010/main" val="3358807871"/>
+      </p:ext>
+    </p:extLst>
+  </p:cSld>
+  <p:clrMapOvr>
+    <a:masterClrMapping/>
+  </p:clrMapOvr>
+</p:sld>
+</file>
+
+<file path=ppt/slides/slide5.xml><?xml version="1.0" encoding="utf-8"?>
+<p:sld xmlns:a="http://schemas.openxmlformats.org/drawingml/2006/main" xmlns:r="http://schemas.openxmlformats.org/officeDocument/2006/relationships" xmlns:p="http://schemas.openxmlformats.org/presentationml/2006/main">
+  <p:cSld>
+    <p:spTree>
+      <p:nvGrpSpPr>
+        <p:cNvPr id="1" name=""/>
+        <p:cNvGrpSpPr/>
+        <p:nvPr/>
+      </p:nvGrpSpPr>
+      <p:grpSpPr>
+        <a:xfrm>
+          <a:off x="0" y="0"/>
+          <a:ext cx="0" cy="0"/>
+          <a:chOff x="0" y="0"/>
+          <a:chExt cx="0" cy="0"/>
+        </a:xfrm>
+      </p:grpSpPr>
+      <p:sp>
+        <p:nvSpPr>
+          <p:cNvPr id="2" name="Title 1">
+            <a:extLst>
+              <a:ext uri="{FF2B5EF4-FFF2-40B4-BE49-F238E27FC236}">
+                <a16:creationId xmlns:a16="http://schemas.microsoft.com/office/drawing/2014/main" id="{3CA5C61B-94CA-B5D8-40FC-0380C278091C}"/>
+              </a:ext>
+            </a:extLst>
+          </p:cNvPr>
+          <p:cNvSpPr>
+            <a:spLocks noGrp="1"/>
+          </p:cNvSpPr>
+          <p:nvPr>
+            <p:ph type="title"/>
+          </p:nvPr>
+        </p:nvSpPr>
+        <p:spPr/>
+        <p:txBody>
+          <a:bodyPr/>
+          <a:lstStyle/>
+          <a:p>
+            <a:r>
+              <a:rPr lang="nl-NL" dirty="0" err="1"/>
+              <a:t>Suggested</a:t>
+            </a:r>
+            <a:r>
+              <a:rPr lang="nl-NL" dirty="0"/>
+              <a:t> </a:t>
+            </a:r>
+            <a:r>
+              <a:rPr lang="nl-NL" dirty="0" err="1"/>
+              <a:t>solutions</a:t>
+            </a:r>
+            <a:endParaRPr lang="nl-NL" dirty="0"/>
+          </a:p>
+        </p:txBody>
+      </p:sp>
+      <p:sp>
+        <p:nvSpPr>
+          <p:cNvPr id="3" name="Content Placeholder 2">
+            <a:extLst>
+              <a:ext uri="{FF2B5EF4-FFF2-40B4-BE49-F238E27FC236}">
+                <a16:creationId xmlns:a16="http://schemas.microsoft.com/office/drawing/2014/main" id="{385B3511-F4A2-4BBD-E2CF-627193E7FE7E}"/>
+              </a:ext>
+            </a:extLst>
+          </p:cNvPr>
+          <p:cNvSpPr>
+            <a:spLocks noGrp="1"/>
+          </p:cNvSpPr>
+          <p:nvPr>
+            <p:ph idx="1"/>
+          </p:nvPr>
+        </p:nvSpPr>
+        <p:spPr>
+          <a:xfrm>
+            <a:off x="838200" y="1825625"/>
+            <a:ext cx="6918434" cy="4351338"/>
+          </a:xfrm>
+        </p:spPr>
+        <p:txBody>
+          <a:bodyPr>
+            <a:normAutofit lnSpcReduction="10000"/>
+          </a:bodyPr>
+          <a:lstStyle/>
+          <a:p>
+            <a:r>
+              <a:rPr lang="nl-NL" dirty="0"/>
+              <a:t>Keep </a:t>
+            </a:r>
+            <a:r>
+              <a:rPr lang="nl-NL" dirty="0" err="1"/>
+              <a:t>the</a:t>
+            </a:r>
+            <a:r>
+              <a:rPr lang="nl-NL" dirty="0"/>
+              <a:t> </a:t>
+            </a:r>
+            <a:r>
+              <a:rPr lang="nl-NL" dirty="0" err="1"/>
+              <a:t>original</a:t>
+            </a:r>
+            <a:r>
+              <a:rPr lang="nl-NL" dirty="0"/>
+              <a:t> stereo </a:t>
+            </a:r>
+            <a:r>
+              <a:rPr lang="nl-NL" dirty="0" err="1"/>
+              <a:t>signal</a:t>
+            </a:r>
+            <a:r>
+              <a:rPr lang="nl-NL" dirty="0"/>
+              <a:t> on </a:t>
+            </a:r>
+            <a:r>
+              <a:rPr lang="nl-NL" dirty="0" err="1"/>
+              <a:t>the</a:t>
+            </a:r>
+            <a:r>
+              <a:rPr lang="nl-NL" dirty="0"/>
+              <a:t> 3 </a:t>
+            </a:r>
+            <a:r>
+              <a:rPr lang="nl-NL" dirty="0" err="1"/>
+              <a:t>channel</a:t>
+            </a:r>
+            <a:r>
+              <a:rPr lang="nl-NL" dirty="0"/>
+              <a:t> bus; </a:t>
+            </a:r>
+          </a:p>
+          <a:p>
+            <a:pPr lvl="1"/>
+            <a:r>
+              <a:rPr lang="nl-NL" dirty="0" err="1"/>
+              <a:t>so</a:t>
+            </a:r>
+            <a:r>
+              <a:rPr lang="nl-NL" dirty="0"/>
+              <a:t> </a:t>
+            </a:r>
+            <a:r>
+              <a:rPr lang="nl-NL" dirty="0" err="1"/>
+              <a:t>disable</a:t>
+            </a:r>
+            <a:r>
+              <a:rPr lang="nl-NL" dirty="0"/>
+              <a:t> </a:t>
+            </a:r>
+            <a:r>
+              <a:rPr lang="nl-NL" dirty="0" err="1"/>
+              <a:t>the</a:t>
+            </a:r>
+            <a:r>
+              <a:rPr lang="nl-NL" dirty="0"/>
+              <a:t> </a:t>
+            </a:r>
+            <a:r>
+              <a:rPr lang="nl-NL" dirty="0" err="1"/>
+              <a:t>stereoToFOA</a:t>
+            </a:r>
+            <a:r>
+              <a:rPr lang="nl-NL" dirty="0"/>
+              <a:t> </a:t>
+            </a:r>
+            <a:r>
+              <a:rPr lang="nl-NL" dirty="0" err="1"/>
+              <a:t>transformation</a:t>
+            </a:r>
+            <a:r>
+              <a:rPr lang="nl-NL" dirty="0"/>
+              <a:t>; </a:t>
+            </a:r>
+          </a:p>
+          <a:p>
+            <a:pPr lvl="1"/>
+            <a:r>
+              <a:rPr lang="nl-NL" dirty="0" err="1"/>
+              <a:t>Disable</a:t>
+            </a:r>
+            <a:r>
+              <a:rPr lang="nl-NL" dirty="0"/>
+              <a:t> FOA </a:t>
+            </a:r>
+            <a:r>
+              <a:rPr lang="nl-NL" dirty="0" err="1"/>
+              <a:t>to</a:t>
+            </a:r>
+            <a:r>
+              <a:rPr lang="nl-NL" dirty="0"/>
+              <a:t> speaker </a:t>
+            </a:r>
+            <a:r>
+              <a:rPr lang="nl-NL" dirty="0" err="1"/>
+              <a:t>transformation</a:t>
+            </a:r>
+            <a:endParaRPr lang="nl-NL" dirty="0"/>
+          </a:p>
+          <a:p>
+            <a:pPr lvl="2"/>
+            <a:r>
+              <a:rPr lang="nl-NL" dirty="0" err="1"/>
+              <a:t>Allow</a:t>
+            </a:r>
+            <a:r>
+              <a:rPr lang="nl-NL" dirty="0"/>
+              <a:t> </a:t>
+            </a:r>
+            <a:r>
+              <a:rPr lang="nl-NL" dirty="0" err="1"/>
+              <a:t>for</a:t>
+            </a:r>
+            <a:r>
+              <a:rPr lang="nl-NL" dirty="0"/>
+              <a:t> different speaker </a:t>
+            </a:r>
+            <a:r>
+              <a:rPr lang="nl-NL" dirty="0" err="1"/>
+              <a:t>transfomations</a:t>
+            </a:r>
+            <a:r>
+              <a:rPr lang="nl-NL" dirty="0"/>
+              <a:t>; </a:t>
+            </a:r>
+            <a:r>
+              <a:rPr lang="nl-NL" dirty="0" err="1"/>
+              <a:t>to</a:t>
+            </a:r>
+            <a:r>
+              <a:rPr lang="nl-NL" dirty="0"/>
+              <a:t> </a:t>
+            </a:r>
+            <a:r>
+              <a:rPr lang="nl-NL" dirty="0" err="1"/>
+              <a:t>allow</a:t>
+            </a:r>
+            <a:r>
+              <a:rPr lang="nl-NL" dirty="0"/>
+              <a:t> </a:t>
+            </a:r>
+            <a:r>
+              <a:rPr lang="nl-NL" dirty="0" err="1"/>
+              <a:t>for</a:t>
+            </a:r>
+            <a:r>
+              <a:rPr lang="nl-NL" dirty="0"/>
+              <a:t> different speaker </a:t>
+            </a:r>
+            <a:r>
+              <a:rPr lang="nl-NL" dirty="0" err="1"/>
+              <a:t>configurations</a:t>
+            </a:r>
+            <a:endParaRPr lang="nl-NL" dirty="0"/>
+          </a:p>
+          <a:p>
+            <a:r>
+              <a:rPr lang="nl-NL" dirty="0" err="1"/>
+              <a:t>Convert</a:t>
+            </a:r>
+            <a:r>
+              <a:rPr lang="nl-NL" dirty="0"/>
+              <a:t> </a:t>
+            </a:r>
+            <a:r>
+              <a:rPr lang="nl-NL" dirty="0" err="1"/>
+              <a:t>from</a:t>
+            </a:r>
+            <a:r>
+              <a:rPr lang="nl-NL" dirty="0"/>
+              <a:t> stereo </a:t>
+            </a:r>
+            <a:r>
+              <a:rPr lang="nl-NL" dirty="0" err="1"/>
+              <a:t>to</a:t>
+            </a:r>
+            <a:r>
+              <a:rPr lang="nl-NL" dirty="0"/>
+              <a:t> FOA </a:t>
+            </a:r>
+            <a:r>
+              <a:rPr lang="nl-NL" dirty="0" err="1"/>
+              <a:t>by</a:t>
+            </a:r>
+            <a:r>
+              <a:rPr lang="nl-NL" dirty="0"/>
+              <a:t> matrix </a:t>
+            </a:r>
+            <a:r>
+              <a:rPr lang="nl-NL" dirty="0" err="1"/>
+              <a:t>transformation</a:t>
+            </a:r>
+            <a:r>
+              <a:rPr lang="nl-NL" dirty="0"/>
+              <a:t>; </a:t>
+            </a:r>
+            <a:r>
+              <a:rPr lang="nl-NL" dirty="0" err="1"/>
+              <a:t>such</a:t>
+            </a:r>
+            <a:r>
+              <a:rPr lang="nl-NL" dirty="0"/>
+              <a:t> </a:t>
+            </a:r>
+            <a:r>
+              <a:rPr lang="nl-NL" dirty="0" err="1"/>
+              <a:t>that</a:t>
+            </a:r>
+            <a:r>
+              <a:rPr lang="nl-NL" dirty="0"/>
+              <a:t> </a:t>
+            </a:r>
+            <a:r>
+              <a:rPr lang="nl-NL" dirty="0" err="1"/>
+              <a:t>transformation</a:t>
+            </a:r>
+            <a:r>
+              <a:rPr lang="nl-NL" dirty="0"/>
+              <a:t> is </a:t>
+            </a:r>
+            <a:r>
+              <a:rPr lang="nl-NL" dirty="0" err="1"/>
+              <a:t>exactly</a:t>
+            </a:r>
+            <a:r>
+              <a:rPr lang="nl-NL" dirty="0"/>
+              <a:t> </a:t>
+            </a:r>
+            <a:r>
+              <a:rPr lang="nl-NL" dirty="0" err="1"/>
+              <a:t>symmetric</a:t>
+            </a:r>
+            <a:r>
+              <a:rPr lang="nl-NL" dirty="0"/>
+              <a:t> </a:t>
+            </a:r>
+            <a:r>
+              <a:rPr lang="nl-NL" dirty="0" err="1"/>
+              <a:t>with</a:t>
+            </a:r>
+            <a:r>
+              <a:rPr lang="nl-NL" dirty="0"/>
+              <a:t> FOA </a:t>
+            </a:r>
+            <a:r>
+              <a:rPr lang="nl-NL" dirty="0" err="1"/>
+              <a:t>to</a:t>
+            </a:r>
+            <a:r>
+              <a:rPr lang="nl-NL" dirty="0"/>
+              <a:t> stereo </a:t>
+            </a:r>
+            <a:r>
+              <a:rPr lang="nl-NL" dirty="0" err="1"/>
+              <a:t>transformation</a:t>
+            </a:r>
+            <a:endParaRPr lang="nl-NL" dirty="0"/>
+          </a:p>
+          <a:p>
+            <a:pPr lvl="1"/>
+            <a:r>
+              <a:rPr lang="nl-NL" dirty="0"/>
+              <a:t>Change FOA </a:t>
+            </a:r>
+            <a:r>
+              <a:rPr lang="nl-NL" dirty="0" err="1"/>
+              <a:t>to</a:t>
+            </a:r>
+            <a:r>
+              <a:rPr lang="nl-NL" dirty="0"/>
+              <a:t> speaker </a:t>
+            </a:r>
+            <a:r>
+              <a:rPr lang="nl-NL" dirty="0" err="1"/>
+              <a:t>transformation</a:t>
+            </a:r>
+            <a:r>
+              <a:rPr lang="nl-NL" dirty="0"/>
+              <a:t> </a:t>
+            </a:r>
+            <a:r>
+              <a:rPr lang="nl-NL" dirty="0" err="1"/>
+              <a:t>to</a:t>
+            </a:r>
+            <a:r>
+              <a:rPr lang="nl-NL" dirty="0"/>
+              <a:t> FOA </a:t>
+            </a:r>
+            <a:r>
+              <a:rPr lang="nl-NL" dirty="0" err="1"/>
+              <a:t>to</a:t>
+            </a:r>
+            <a:r>
+              <a:rPr lang="nl-NL" dirty="0"/>
+              <a:t> stereo </a:t>
+            </a:r>
+            <a:r>
+              <a:rPr lang="nl-NL" dirty="0" err="1"/>
+              <a:t>transformation</a:t>
+            </a:r>
+            <a:r>
+              <a:rPr lang="nl-NL" dirty="0"/>
+              <a:t>;</a:t>
+            </a:r>
+          </a:p>
+        </p:txBody>
+      </p:sp>
+      <p:sp>
+        <p:nvSpPr>
+          <p:cNvPr id="4" name="Flowchart: Alternate Process 3">
+            <a:extLst>
+              <a:ext uri="{FF2B5EF4-FFF2-40B4-BE49-F238E27FC236}">
+                <a16:creationId xmlns:a16="http://schemas.microsoft.com/office/drawing/2014/main" id="{045AE163-1289-4272-66D2-E2B923FD3550}"/>
+              </a:ext>
+            </a:extLst>
+          </p:cNvPr>
+          <p:cNvSpPr/>
+          <p:nvPr/>
+        </p:nvSpPr>
+        <p:spPr>
+          <a:xfrm>
+            <a:off x="8209935" y="1936954"/>
+            <a:ext cx="3234813" cy="1582994"/>
+          </a:xfrm>
+          <a:prstGeom prst="flowChartAlternateProcess">
+            <a:avLst/>
+          </a:prstGeom>
+        </p:spPr>
+        <p:style>
+          <a:lnRef idx="3">
+            <a:schemeClr val="lt1"/>
+          </a:lnRef>
+          <a:fillRef idx="1">
+            <a:schemeClr val="accent6"/>
+          </a:fillRef>
+          <a:effectRef idx="1">
+            <a:schemeClr val="accent6"/>
+          </a:effectRef>
+          <a:fontRef idx="minor">
+            <a:schemeClr val="lt1"/>
+          </a:fontRef>
+        </p:style>
+        <p:txBody>
+          <a:bodyPr rtlCol="0" anchor="ctr"/>
+          <a:lstStyle/>
+          <a:p>
+            <a:pPr algn="ctr"/>
+            <a:r>
+              <a:rPr lang="nl-NL" dirty="0"/>
+              <a:t>Benefit</a:t>
+            </a:r>
+          </a:p>
+          <a:p>
+            <a:pPr algn="ctr"/>
+            <a:r>
+              <a:rPr lang="nl-NL" dirty="0"/>
+              <a:t>- Do </a:t>
+            </a:r>
+            <a:r>
+              <a:rPr lang="nl-NL" dirty="0" err="1"/>
+              <a:t>not</a:t>
+            </a:r>
+            <a:r>
+              <a:rPr lang="nl-NL" dirty="0"/>
+              <a:t> waste computer power on </a:t>
+            </a:r>
+            <a:r>
+              <a:rPr lang="nl-NL" dirty="0" err="1"/>
+              <a:t>unnecessary</a:t>
+            </a:r>
+            <a:r>
+              <a:rPr lang="nl-NL" dirty="0"/>
+              <a:t> matrix </a:t>
+            </a:r>
+            <a:r>
+              <a:rPr lang="nl-NL" dirty="0" err="1"/>
+              <a:t>transformations</a:t>
+            </a:r>
+            <a:endParaRPr lang="nl-NL" dirty="0"/>
+          </a:p>
+        </p:txBody>
+      </p:sp>
+      <p:sp>
+        <p:nvSpPr>
+          <p:cNvPr id="5" name="Flowchart: Alternate Process 4">
+            <a:extLst>
+              <a:ext uri="{FF2B5EF4-FFF2-40B4-BE49-F238E27FC236}">
+                <a16:creationId xmlns:a16="http://schemas.microsoft.com/office/drawing/2014/main" id="{6AAAAFE1-D512-5703-7A5A-8AD86B56FFD3}"/>
+              </a:ext>
+            </a:extLst>
+          </p:cNvPr>
+          <p:cNvSpPr/>
+          <p:nvPr/>
+        </p:nvSpPr>
+        <p:spPr>
+          <a:xfrm>
+            <a:off x="8209935" y="4090219"/>
+            <a:ext cx="3234813" cy="1582994"/>
+          </a:xfrm>
+          <a:prstGeom prst="flowChartAlternateProcess">
+            <a:avLst/>
+          </a:prstGeom>
+        </p:spPr>
+        <p:style>
+          <a:lnRef idx="3">
+            <a:schemeClr val="lt1"/>
+          </a:lnRef>
+          <a:fillRef idx="1">
+            <a:schemeClr val="accent6"/>
+          </a:fillRef>
+          <a:effectRef idx="1">
+            <a:schemeClr val="accent6"/>
+          </a:effectRef>
+          <a:fontRef idx="minor">
+            <a:schemeClr val="lt1"/>
+          </a:fontRef>
+        </p:style>
+        <p:txBody>
+          <a:bodyPr rtlCol="0" anchor="ctr"/>
+          <a:lstStyle/>
+          <a:p>
+            <a:pPr algn="ctr"/>
+            <a:r>
+              <a:rPr lang="nl-NL" dirty="0"/>
+              <a:t>Benefit:</a:t>
+            </a:r>
+          </a:p>
+          <a:p>
+            <a:pPr algn="ctr"/>
+            <a:r>
+              <a:rPr lang="nl-NL" dirty="0"/>
+              <a:t>- Keep </a:t>
+            </a:r>
+            <a:r>
+              <a:rPr lang="nl-NL" dirty="0" err="1"/>
+              <a:t>all</a:t>
+            </a:r>
+            <a:r>
+              <a:rPr lang="nl-NL" dirty="0"/>
+              <a:t> </a:t>
+            </a:r>
+            <a:r>
+              <a:rPr lang="nl-NL" dirty="0" err="1"/>
+              <a:t>surround</a:t>
+            </a:r>
+            <a:r>
+              <a:rPr lang="nl-NL" dirty="0"/>
+              <a:t>/FOA </a:t>
+            </a:r>
+            <a:r>
+              <a:rPr lang="nl-NL" dirty="0" err="1"/>
+              <a:t>architecture</a:t>
+            </a:r>
+            <a:r>
+              <a:rPr lang="nl-NL" dirty="0"/>
+              <a:t> intact, </a:t>
+            </a:r>
+            <a:r>
+              <a:rPr lang="nl-NL" dirty="0" err="1"/>
+              <a:t>such</a:t>
+            </a:r>
+            <a:r>
+              <a:rPr lang="nl-NL" dirty="0"/>
+              <a:t> as </a:t>
+            </a:r>
+            <a:r>
+              <a:rPr lang="nl-NL" dirty="0" err="1"/>
+              <a:t>panning</a:t>
+            </a:r>
+            <a:r>
+              <a:rPr lang="nl-NL" dirty="0"/>
+              <a:t> </a:t>
+            </a:r>
+            <a:r>
+              <a:rPr lang="nl-NL" dirty="0" err="1"/>
+              <a:t>and</a:t>
+            </a:r>
+            <a:r>
+              <a:rPr lang="nl-NL" dirty="0"/>
+              <a:t> </a:t>
+            </a:r>
+            <a:r>
+              <a:rPr lang="nl-NL" dirty="0" err="1"/>
+              <a:t>pushing</a:t>
+            </a:r>
+            <a:endParaRPr lang="nl-NL" dirty="0"/>
+          </a:p>
+        </p:txBody>
+      </p:sp>
+    </p:spTree>
+    <p:extLst>
+      <p:ext uri="{BB962C8B-B14F-4D97-AF65-F5344CB8AC3E}">
+        <p14:creationId xmlns:p14="http://schemas.microsoft.com/office/powerpoint/2010/main" val="1120534382"/>
+      </p:ext>
+    </p:extLst>
+  </p:cSld>
+  <p:clrMapOvr>
+    <a:masterClrMapping/>
+  </p:clrMapOvr>
+</p:sld>
+</file>
+
+<file path=ppt/slides/slide6.xml><?xml version="1.0" encoding="utf-8"?>
+<p:sld xmlns:a="http://schemas.openxmlformats.org/drawingml/2006/main" xmlns:r="http://schemas.openxmlformats.org/officeDocument/2006/relationships" xmlns:p="http://schemas.openxmlformats.org/presentationml/2006/main">
+  <p:cSld>
+    <p:spTree>
+      <p:nvGrpSpPr>
+        <p:cNvPr id="1" name=""/>
+        <p:cNvGrpSpPr/>
+        <p:nvPr/>
+      </p:nvGrpSpPr>
+      <p:grpSpPr>
+        <a:xfrm>
+          <a:off x="0" y="0"/>
+          <a:ext cx="0" cy="0"/>
+          <a:chOff x="0" y="0"/>
+          <a:chExt cx="0" cy="0"/>
+        </a:xfrm>
+      </p:grpSpPr>
+      <p:sp>
+        <p:nvSpPr>
+          <p:cNvPr id="2" name="Title 1">
+            <a:extLst>
+              <a:ext uri="{FF2B5EF4-FFF2-40B4-BE49-F238E27FC236}">
+                <a16:creationId xmlns:a16="http://schemas.microsoft.com/office/drawing/2014/main" id="{D7B00B85-6A35-AB62-61CA-3DEECF9A2017}"/>
+              </a:ext>
+            </a:extLst>
+          </p:cNvPr>
+          <p:cNvSpPr>
+            <a:spLocks noGrp="1"/>
+          </p:cNvSpPr>
+          <p:nvPr>
+            <p:ph type="title"/>
+          </p:nvPr>
+        </p:nvSpPr>
+        <p:spPr/>
+        <p:txBody>
+          <a:bodyPr/>
+          <a:lstStyle/>
+          <a:p>
+            <a:r>
+              <a:rPr lang="nl-NL" dirty="0" err="1"/>
+              <a:t>Implication</a:t>
+            </a:r>
+            <a:r>
+              <a:rPr lang="nl-NL" dirty="0"/>
+              <a:t>	</a:t>
+            </a:r>
+          </a:p>
+        </p:txBody>
+      </p:sp>
+      <p:sp>
+        <p:nvSpPr>
+          <p:cNvPr id="3" name="Content Placeholder 2">
+            <a:extLst>
+              <a:ext uri="{FF2B5EF4-FFF2-40B4-BE49-F238E27FC236}">
+                <a16:creationId xmlns:a16="http://schemas.microsoft.com/office/drawing/2014/main" id="{CBC85001-2C05-38C0-B194-4DF054C64995}"/>
+              </a:ext>
+            </a:extLst>
+          </p:cNvPr>
+          <p:cNvSpPr>
+            <a:spLocks noGrp="1"/>
+          </p:cNvSpPr>
+          <p:nvPr>
+            <p:ph idx="1"/>
+          </p:nvPr>
+        </p:nvSpPr>
+        <p:spPr/>
+        <p:txBody>
+          <a:bodyPr/>
+          <a:lstStyle/>
+          <a:p>
+            <a:r>
+              <a:rPr lang="nl-NL" dirty="0" err="1"/>
+              <a:t>Despite</a:t>
+            </a:r>
+            <a:r>
+              <a:rPr lang="nl-NL" dirty="0"/>
+              <a:t> </a:t>
+            </a:r>
+            <a:r>
+              <a:rPr lang="nl-NL" dirty="0" err="1"/>
+              <a:t>the</a:t>
+            </a:r>
+            <a:r>
+              <a:rPr lang="nl-NL" dirty="0"/>
+              <a:t> solution we </a:t>
+            </a:r>
+            <a:r>
+              <a:rPr lang="nl-NL" dirty="0" err="1"/>
+              <a:t>choose</a:t>
+            </a:r>
+            <a:r>
+              <a:rPr lang="nl-NL" dirty="0"/>
+              <a:t>, we </a:t>
+            </a:r>
+            <a:r>
+              <a:rPr lang="nl-NL" dirty="0" err="1"/>
+              <a:t>will</a:t>
+            </a:r>
+            <a:r>
+              <a:rPr lang="nl-NL" dirty="0"/>
+              <a:t> break </a:t>
+            </a:r>
+            <a:r>
+              <a:rPr lang="nl-NL" dirty="0" err="1"/>
+              <a:t>the</a:t>
+            </a:r>
+            <a:r>
+              <a:rPr lang="nl-NL" dirty="0"/>
+              <a:t> (</a:t>
+            </a:r>
+            <a:r>
+              <a:rPr lang="nl-NL" dirty="0" err="1"/>
+              <a:t>unused</a:t>
+            </a:r>
+            <a:r>
+              <a:rPr lang="nl-NL" dirty="0"/>
+              <a:t>) feature </a:t>
+            </a:r>
+            <a:r>
+              <a:rPr lang="nl-NL" dirty="0" err="1"/>
+              <a:t>that</a:t>
+            </a:r>
+            <a:r>
+              <a:rPr lang="nl-NL" dirty="0"/>
+              <a:t> </a:t>
+            </a:r>
+            <a:r>
+              <a:rPr lang="nl-NL" dirty="0" err="1"/>
+              <a:t>the</a:t>
+            </a:r>
+            <a:r>
+              <a:rPr lang="nl-NL" dirty="0"/>
+              <a:t> sampler </a:t>
+            </a:r>
+            <a:r>
+              <a:rPr lang="nl-NL" dirty="0" err="1"/>
+              <a:t>and</a:t>
+            </a:r>
+            <a:r>
+              <a:rPr lang="nl-NL" dirty="0"/>
+              <a:t> tracks are in sync; </a:t>
+            </a:r>
+            <a:r>
+              <a:rPr lang="nl-NL" dirty="0" err="1"/>
+              <a:t>because</a:t>
+            </a:r>
+            <a:r>
+              <a:rPr lang="nl-NL" dirty="0"/>
+              <a:t> </a:t>
+            </a:r>
+            <a:r>
+              <a:rPr lang="nl-NL" dirty="0" err="1"/>
+              <a:t>this</a:t>
+            </a:r>
+            <a:r>
+              <a:rPr lang="nl-NL" dirty="0"/>
+              <a:t> was </a:t>
+            </a:r>
+            <a:r>
+              <a:rPr lang="nl-NL" dirty="0" err="1"/>
+              <a:t>ensured</a:t>
+            </a:r>
+            <a:r>
+              <a:rPr lang="nl-NL" dirty="0"/>
+              <a:t> </a:t>
+            </a:r>
+            <a:r>
+              <a:rPr lang="nl-NL" dirty="0" err="1"/>
+              <a:t>by</a:t>
+            </a:r>
+            <a:r>
+              <a:rPr lang="nl-NL" dirty="0"/>
+              <a:t> matching </a:t>
+            </a:r>
+            <a:r>
+              <a:rPr lang="nl-NL" dirty="0" err="1"/>
+              <a:t>the</a:t>
+            </a:r>
+            <a:r>
+              <a:rPr lang="nl-NL" dirty="0"/>
+              <a:t> </a:t>
+            </a:r>
+            <a:r>
+              <a:rPr lang="nl-NL" dirty="0" err="1"/>
+              <a:t>kernel</a:t>
+            </a:r>
+            <a:r>
+              <a:rPr lang="nl-NL" dirty="0"/>
+              <a:t> </a:t>
+            </a:r>
+            <a:r>
+              <a:rPr lang="nl-NL" dirty="0" err="1"/>
+              <a:t>induced</a:t>
+            </a:r>
+            <a:r>
+              <a:rPr lang="nl-NL" dirty="0"/>
+              <a:t> </a:t>
+            </a:r>
+            <a:r>
+              <a:rPr lang="nl-NL" dirty="0" err="1"/>
+              <a:t>latency</a:t>
+            </a:r>
+            <a:r>
+              <a:rPr lang="nl-NL" dirty="0"/>
+              <a:t> </a:t>
+            </a:r>
+            <a:r>
+              <a:rPr lang="nl-NL" dirty="0" err="1"/>
+              <a:t>with</a:t>
+            </a:r>
+            <a:r>
+              <a:rPr lang="nl-NL" dirty="0"/>
+              <a:t> </a:t>
+            </a:r>
+            <a:r>
+              <a:rPr lang="nl-NL" dirty="0" err="1"/>
+              <a:t>the</a:t>
+            </a:r>
+            <a:r>
+              <a:rPr lang="nl-NL" dirty="0"/>
+              <a:t> </a:t>
+            </a:r>
+            <a:r>
+              <a:rPr lang="nl-NL" dirty="0" err="1"/>
+              <a:t>language</a:t>
+            </a:r>
+            <a:r>
+              <a:rPr lang="nl-NL" dirty="0"/>
+              <a:t>-server </a:t>
+            </a:r>
+            <a:r>
+              <a:rPr lang="nl-NL" dirty="0" err="1"/>
+              <a:t>latency</a:t>
+            </a:r>
+            <a:endParaRPr lang="nl-NL" dirty="0"/>
+          </a:p>
+        </p:txBody>
+      </p:sp>
+    </p:spTree>
+    <p:extLst>
+      <p:ext uri="{BB962C8B-B14F-4D97-AF65-F5344CB8AC3E}">
+        <p14:creationId xmlns:p14="http://schemas.microsoft.com/office/powerpoint/2010/main" val="1627082144"/>
+      </p:ext>
+    </p:extLst>
+  </p:cSld>
+  <p:clrMapOvr>
+    <a:masterClrMapping/>
+  </p:clrMapOvr>
+</p:sld>
+</file>
+
+<file path=ppt/slides/slide7.xml><?xml version="1.0" encoding="utf-8"?>
+<p:sld xmlns:a="http://schemas.openxmlformats.org/drawingml/2006/main" xmlns:r="http://schemas.openxmlformats.org/officeDocument/2006/relationships" xmlns:p="http://schemas.openxmlformats.org/presentationml/2006/main">
+  <p:cSld>
+    <p:spTree>
+      <p:nvGrpSpPr>
+        <p:cNvPr id="1" name=""/>
+        <p:cNvGrpSpPr/>
+        <p:nvPr/>
+      </p:nvGrpSpPr>
+      <p:grpSpPr>
+        <a:xfrm>
+          <a:off x="0" y="0"/>
+          <a:ext cx="0" cy="0"/>
+          <a:chOff x="0" y="0"/>
+          <a:chExt cx="0" cy="0"/>
+        </a:xfrm>
+      </p:grpSpPr>
+      <p:sp>
+        <p:nvSpPr>
+          <p:cNvPr id="2" name="Title 1">
+            <a:extLst>
+              <a:ext uri="{FF2B5EF4-FFF2-40B4-BE49-F238E27FC236}">
+                <a16:creationId xmlns:a16="http://schemas.microsoft.com/office/drawing/2014/main" id="{901465DB-5BBA-A34D-0F7E-B7601C938933}"/>
+              </a:ext>
+            </a:extLst>
+          </p:cNvPr>
+          <p:cNvSpPr>
+            <a:spLocks noGrp="1"/>
+          </p:cNvSpPr>
+          <p:nvPr>
+            <p:ph type="title"/>
+          </p:nvPr>
+        </p:nvSpPr>
+        <p:spPr/>
+        <p:txBody>
+          <a:bodyPr/>
+          <a:lstStyle/>
+          <a:p>
+            <a:r>
+              <a:rPr lang="nl-NL" dirty="0"/>
+              <a:t>Test stereo </a:t>
+            </a:r>
+            <a:r>
+              <a:rPr lang="nl-NL" dirty="0" err="1"/>
+              <a:t>to</a:t>
+            </a:r>
+            <a:r>
+              <a:rPr lang="nl-NL" dirty="0"/>
+              <a:t> FOA </a:t>
+            </a:r>
+            <a:r>
+              <a:rPr lang="nl-NL" dirty="0" err="1"/>
+              <a:t>and</a:t>
+            </a:r>
+            <a:r>
+              <a:rPr lang="nl-NL" dirty="0"/>
+              <a:t> back </a:t>
+            </a:r>
+            <a:r>
+              <a:rPr lang="nl-NL" dirty="0" err="1"/>
+              <a:t>by</a:t>
+            </a:r>
+            <a:r>
+              <a:rPr lang="nl-NL" dirty="0"/>
+              <a:t> matrix</a:t>
+            </a:r>
+          </a:p>
+        </p:txBody>
+      </p:sp>
+      <p:sp>
+        <p:nvSpPr>
+          <p:cNvPr id="3" name="Content Placeholder 2">
+            <a:extLst>
+              <a:ext uri="{FF2B5EF4-FFF2-40B4-BE49-F238E27FC236}">
+                <a16:creationId xmlns:a16="http://schemas.microsoft.com/office/drawing/2014/main" id="{3F0E6FB0-4556-728E-D41C-5D735EF18334}"/>
+              </a:ext>
+            </a:extLst>
+          </p:cNvPr>
+          <p:cNvSpPr>
+            <a:spLocks noGrp="1"/>
+          </p:cNvSpPr>
+          <p:nvPr>
+            <p:ph idx="1"/>
+          </p:nvPr>
+        </p:nvSpPr>
+        <p:spPr>
+          <a:xfrm>
+            <a:off x="838200" y="1825625"/>
+            <a:ext cx="4145782" cy="4351338"/>
+          </a:xfrm>
+        </p:spPr>
+        <p:txBody>
+          <a:bodyPr/>
+          <a:lstStyle/>
+          <a:p>
+            <a:r>
+              <a:rPr lang="nl-NL" dirty="0" err="1"/>
+              <a:t>After</a:t>
+            </a:r>
+            <a:r>
+              <a:rPr lang="nl-NL" dirty="0"/>
+              <a:t> </a:t>
+            </a:r>
+            <a:r>
+              <a:rPr lang="nl-NL" dirty="0" err="1"/>
+              <a:t>transforming</a:t>
+            </a:r>
+            <a:r>
+              <a:rPr lang="nl-NL" dirty="0"/>
+              <a:t> </a:t>
+            </a:r>
+            <a:r>
+              <a:rPr lang="nl-NL" dirty="0" err="1"/>
+              <a:t>the</a:t>
+            </a:r>
+            <a:r>
+              <a:rPr lang="nl-NL" dirty="0"/>
+              <a:t> </a:t>
+            </a:r>
+            <a:r>
+              <a:rPr lang="nl-NL" dirty="0" err="1"/>
+              <a:t>signal</a:t>
+            </a:r>
+            <a:r>
+              <a:rPr lang="nl-NL" dirty="0"/>
+              <a:t> forward </a:t>
+            </a:r>
+            <a:r>
+              <a:rPr lang="nl-NL" dirty="0" err="1"/>
+              <a:t>and</a:t>
+            </a:r>
+            <a:r>
+              <a:rPr lang="nl-NL" dirty="0"/>
+              <a:t> backward, </a:t>
+            </a:r>
+            <a:r>
+              <a:rPr lang="nl-NL" dirty="0" err="1"/>
+              <a:t>it</a:t>
+            </a:r>
+            <a:r>
+              <a:rPr lang="nl-NL" dirty="0"/>
+              <a:t> is close </a:t>
+            </a:r>
+            <a:r>
+              <a:rPr lang="nl-NL" dirty="0" err="1"/>
+              <a:t>to</a:t>
+            </a:r>
+            <a:r>
+              <a:rPr lang="nl-NL" dirty="0"/>
+              <a:t> </a:t>
+            </a:r>
+            <a:r>
+              <a:rPr lang="nl-NL" dirty="0" err="1"/>
+              <a:t>identical</a:t>
+            </a:r>
+            <a:r>
+              <a:rPr lang="nl-NL" dirty="0"/>
+              <a:t> </a:t>
+            </a:r>
+            <a:r>
+              <a:rPr lang="nl-NL" dirty="0" err="1"/>
+              <a:t>to</a:t>
+            </a:r>
+            <a:r>
+              <a:rPr lang="nl-NL" dirty="0"/>
+              <a:t> </a:t>
+            </a:r>
+            <a:r>
+              <a:rPr lang="nl-NL" dirty="0" err="1"/>
+              <a:t>the</a:t>
+            </a:r>
+            <a:r>
+              <a:rPr lang="nl-NL" dirty="0"/>
+              <a:t> </a:t>
+            </a:r>
+            <a:r>
+              <a:rPr lang="nl-NL" dirty="0" err="1"/>
+              <a:t>original</a:t>
+            </a:r>
+            <a:r>
+              <a:rPr lang="nl-NL" dirty="0"/>
+              <a:t> </a:t>
+            </a:r>
+            <a:r>
+              <a:rPr lang="nl-NL" dirty="0" err="1"/>
+              <a:t>signal</a:t>
+            </a:r>
+            <a:r>
+              <a:rPr lang="nl-NL" dirty="0"/>
+              <a:t>;</a:t>
+            </a:r>
+          </a:p>
+          <a:p>
+            <a:r>
+              <a:rPr lang="nl-NL" dirty="0" err="1"/>
+              <a:t>Usable</a:t>
+            </a:r>
+            <a:r>
+              <a:rPr lang="nl-NL" dirty="0"/>
+              <a:t>!</a:t>
+            </a:r>
+          </a:p>
+        </p:txBody>
+      </p:sp>
+      <p:pic>
+        <p:nvPicPr>
+          <p:cNvPr id="7" name="Picture 6">
+            <a:extLst>
+              <a:ext uri="{FF2B5EF4-FFF2-40B4-BE49-F238E27FC236}">
+                <a16:creationId xmlns:a16="http://schemas.microsoft.com/office/drawing/2014/main" id="{0056CFDD-0CA5-EC76-CBDE-B57F3FEA86A9}"/>
+              </a:ext>
+            </a:extLst>
+          </p:cNvPr>
+          <p:cNvPicPr>
+            <a:picLocks noChangeAspect="1"/>
+          </p:cNvPicPr>
+          <p:nvPr/>
+        </p:nvPicPr>
+        <p:blipFill>
+          <a:blip r:embed="rId2"/>
+          <a:stretch>
+            <a:fillRect/>
+          </a:stretch>
+        </p:blipFill>
+        <p:spPr>
+          <a:xfrm>
+            <a:off x="4983982" y="2277028"/>
+            <a:ext cx="7030431" cy="3448531"/>
+          </a:xfrm>
+          <a:prstGeom prst="rect">
+            <a:avLst/>
+          </a:prstGeom>
+        </p:spPr>
+      </p:pic>
+      <p:sp>
+        <p:nvSpPr>
+          <p:cNvPr id="8" name="TextBox 7">
+            <a:extLst>
+              <a:ext uri="{FF2B5EF4-FFF2-40B4-BE49-F238E27FC236}">
+                <a16:creationId xmlns:a16="http://schemas.microsoft.com/office/drawing/2014/main" id="{A98ECE2C-32CC-DB89-9BD3-264987FEB9DC}"/>
+              </a:ext>
+            </a:extLst>
+          </p:cNvPr>
+          <p:cNvSpPr txBox="1"/>
+          <p:nvPr/>
+        </p:nvSpPr>
+        <p:spPr>
+          <a:xfrm>
+            <a:off x="7472625" y="5766595"/>
+            <a:ext cx="1705980" cy="369332"/>
+          </a:xfrm>
+          <a:prstGeom prst="rect">
+            <a:avLst/>
+          </a:prstGeom>
+          <a:noFill/>
+        </p:spPr>
+        <p:txBody>
+          <a:bodyPr wrap="none" rtlCol="0">
+            <a:spAutoFit/>
+          </a:bodyPr>
+          <a:lstStyle/>
+          <a:p>
+            <a:r>
+              <a:rPr lang="nl-NL" dirty="0" err="1"/>
+              <a:t>pureStereo.scd</a:t>
+            </a:r>
+            <a:endParaRPr lang="nl-NL" dirty="0"/>
+          </a:p>
+        </p:txBody>
+      </p:sp>
+      <p:sp>
+        <p:nvSpPr>
+          <p:cNvPr id="10" name="TextBox 9">
+            <a:extLst>
+              <a:ext uri="{FF2B5EF4-FFF2-40B4-BE49-F238E27FC236}">
+                <a16:creationId xmlns:a16="http://schemas.microsoft.com/office/drawing/2014/main" id="{F6FFBBD1-4CB6-049A-9180-D8B7FCC2367C}"/>
+              </a:ext>
+            </a:extLst>
+          </p:cNvPr>
+          <p:cNvSpPr txBox="1"/>
+          <p:nvPr/>
+        </p:nvSpPr>
+        <p:spPr>
+          <a:xfrm>
+            <a:off x="0" y="6169709"/>
+            <a:ext cx="8279598" cy="646331"/>
+          </a:xfrm>
+          <a:prstGeom prst="rect">
+            <a:avLst/>
+          </a:prstGeom>
+          <a:noFill/>
+        </p:spPr>
+        <p:txBody>
+          <a:bodyPr wrap="square">
+            <a:spAutoFit/>
+          </a:bodyPr>
+          <a:lstStyle/>
+          <a:p>
+            <a:r>
+              <a:rPr lang="nl-NL" dirty="0"/>
+              <a:t>The </a:t>
+            </a:r>
+            <a:r>
+              <a:rPr lang="nl-NL" dirty="0" err="1"/>
+              <a:t>following</a:t>
+            </a:r>
+            <a:r>
+              <a:rPr lang="nl-NL" dirty="0"/>
+              <a:t> does </a:t>
+            </a:r>
+            <a:r>
+              <a:rPr lang="nl-NL" dirty="0" err="1"/>
+              <a:t>not</a:t>
+            </a:r>
+            <a:r>
+              <a:rPr lang="nl-NL" dirty="0"/>
+              <a:t> </a:t>
+            </a:r>
+            <a:r>
+              <a:rPr lang="nl-NL" dirty="0" err="1"/>
+              <a:t>work</a:t>
+            </a:r>
+            <a:r>
+              <a:rPr lang="nl-NL" dirty="0"/>
+              <a:t> </a:t>
+            </a:r>
+            <a:r>
+              <a:rPr lang="nl-NL" dirty="0" err="1"/>
+              <a:t>because</a:t>
+            </a:r>
+            <a:r>
+              <a:rPr lang="nl-NL" dirty="0"/>
+              <a:t> </a:t>
+            </a:r>
+            <a:r>
+              <a:rPr lang="nl-NL" dirty="0" err="1"/>
+              <a:t>singular</a:t>
+            </a:r>
+            <a:r>
+              <a:rPr lang="nl-NL" dirty="0"/>
+              <a:t>:</a:t>
+            </a:r>
+          </a:p>
+          <a:p>
+            <a:r>
+              <a:rPr lang="nl-NL" dirty="0"/>
+              <a:t>~</a:t>
+            </a:r>
+            <a:r>
+              <a:rPr lang="nl-NL" dirty="0" err="1"/>
+              <a:t>matrixDecoderMain</a:t>
+            </a:r>
+            <a:r>
+              <a:rPr lang="nl-NL" dirty="0"/>
+              <a:t> = </a:t>
+            </a:r>
+            <a:r>
+              <a:rPr lang="nl-NL" dirty="0" err="1"/>
+              <a:t>FoaDecoderMatrix.newDiametric</a:t>
+            </a:r>
+            <a:r>
+              <a:rPr lang="nl-NL" dirty="0"/>
+              <a:t>([-pi/2], k: 'single'); </a:t>
+            </a:r>
+          </a:p>
+        </p:txBody>
+      </p:sp>
+    </p:spTree>
+    <p:extLst>
+      <p:ext uri="{BB962C8B-B14F-4D97-AF65-F5344CB8AC3E}">
+        <p14:creationId xmlns:p14="http://schemas.microsoft.com/office/powerpoint/2010/main" val="3195943277"/>
       </p:ext>
     </p:extLst>
   </p:cSld>
